--- a/모바일 앱 개발 24조.pptx
+++ b/모바일 앱 개발 24조.pptx
@@ -9,6 +9,7 @@
     <p:sldId id="257" r:id="rId3"/>
     <p:sldId id="258" r:id="rId4"/>
     <p:sldId id="259" r:id="rId5"/>
+    <p:sldId id="260" r:id="rId6"/>
   </p:sldIdLst>
   <p:sldSz cx="12192000" cy="6858000"/>
   <p:notesSz cx="6858000" cy="9144000"/>
@@ -4367,7 +4368,7 @@
           <a:p>
             <a:r>
               <a:rPr lang="ko-KR" altLang="en-US" dirty="0"/>
-              <a:t>일반적인 시뮬레이션 게임처럼 보면서 느끼는 재미가 있다</a:t>
+              <a:t>일반적인 시뮬레이션 게임처럼 보면서 느끼는 재미가 있고 퍼즐 게임처럼 퍼즐을 풀어서 얻는 성취감도 있다</a:t>
             </a:r>
             <a:r>
               <a:rPr lang="en-US" altLang="ko-KR" dirty="0"/>
@@ -4390,6 +4391,90 @@
     <p:extLst>
       <p:ext uri="{BB962C8B-B14F-4D97-AF65-F5344CB8AC3E}">
         <p14:creationId xmlns:p14="http://schemas.microsoft.com/office/powerpoint/2010/main" val="1719124745"/>
+      </p:ext>
+    </p:extLst>
+  </p:cSld>
+  <p:clrMapOvr>
+    <a:masterClrMapping/>
+  </p:clrMapOvr>
+</p:sld>
+</file>
+
+<file path=ppt/slides/slide5.xml><?xml version="1.0" encoding="utf-8"?>
+<p:sld xmlns:a="http://schemas.openxmlformats.org/drawingml/2006/main" xmlns:r="http://schemas.openxmlformats.org/officeDocument/2006/relationships" xmlns:p="http://schemas.openxmlformats.org/presentationml/2006/main">
+  <p:cSld>
+    <p:spTree>
+      <p:nvGrpSpPr>
+        <p:cNvPr id="1" name=""/>
+        <p:cNvGrpSpPr/>
+        <p:nvPr/>
+      </p:nvGrpSpPr>
+      <p:grpSpPr>
+        <a:xfrm>
+          <a:off x="0" y="0"/>
+          <a:ext cx="0" cy="0"/>
+          <a:chOff x="0" y="0"/>
+          <a:chExt cx="0" cy="0"/>
+        </a:xfrm>
+      </p:grpSpPr>
+      <p:sp>
+        <p:nvSpPr>
+          <p:cNvPr id="2" name="제목 1">
+            <a:extLst>
+              <a:ext uri="{FF2B5EF4-FFF2-40B4-BE49-F238E27FC236}">
+                <a16:creationId xmlns:a16="http://schemas.microsoft.com/office/drawing/2014/main" id="{94DAAB58-7E5B-41EC-A9AD-884C6E8F2E55}"/>
+              </a:ext>
+            </a:extLst>
+          </p:cNvPr>
+          <p:cNvSpPr>
+            <a:spLocks noGrp="1"/>
+          </p:cNvSpPr>
+          <p:nvPr>
+            <p:ph type="title"/>
+          </p:nvPr>
+        </p:nvSpPr>
+        <p:spPr>
+          <a:xfrm>
+            <a:off x="838200" y="2559685"/>
+            <a:ext cx="10515600" cy="1325563"/>
+          </a:xfrm>
+        </p:spPr>
+        <p:txBody>
+          <a:bodyPr/>
+          <a:lstStyle/>
+          <a:p>
+            <a:r>
+              <a:rPr lang="en-US" altLang="ko-KR" dirty="0"/>
+              <a:t>			    	</a:t>
+            </a:r>
+            <a:r>
+              <a:rPr lang="ko-KR" altLang="en-US" dirty="0">
+                <a:solidFill>
+                  <a:schemeClr val="accent1"/>
+                </a:solidFill>
+              </a:rPr>
+              <a:t>감사합니다</a:t>
+            </a:r>
+            <a:r>
+              <a:rPr lang="en-US" altLang="ko-KR" dirty="0">
+                <a:solidFill>
+                  <a:schemeClr val="accent1"/>
+                </a:solidFill>
+              </a:rPr>
+              <a:t>!</a:t>
+            </a:r>
+            <a:endParaRPr lang="ko-KR" altLang="en-US" dirty="0">
+              <a:solidFill>
+                <a:schemeClr val="accent1"/>
+              </a:solidFill>
+            </a:endParaRPr>
+          </a:p>
+        </p:txBody>
+      </p:sp>
+    </p:spTree>
+    <p:extLst>
+      <p:ext uri="{BB962C8B-B14F-4D97-AF65-F5344CB8AC3E}">
+        <p14:creationId xmlns:p14="http://schemas.microsoft.com/office/powerpoint/2010/main" val="2120313506"/>
       </p:ext>
     </p:extLst>
   </p:cSld>

--- a/모바일 앱 개발 24조.pptx
+++ b/모바일 앱 개발 24조.pptx
@@ -108,6 +108,11 @@
       </a:defRPr>
     </a:lvl9pPr>
   </p:defaultTextStyle>
+  <p:extLst>
+    <p:ext uri="{EFAFB233-063F-42B5-8137-9DF3F51BA10A}">
+      <p15:sldGuideLst xmlns:p15="http://schemas.microsoft.com/office/powerpoint/2012/main"/>
+    </p:ext>
+  </p:extLst>
 </p:presentation>
 </file>
 
@@ -258,7 +263,7 @@
           <a:p>
             <a:fld id="{78370249-880B-4606-9273-31FEAB67EC0B}" type="datetimeFigureOut">
               <a:rPr lang="ko-KR" altLang="en-US" smtClean="0"/>
-              <a:t>2019-05-09</a:t>
+              <a:t>2019-05-10</a:t>
             </a:fld>
             <a:endParaRPr lang="ko-KR" altLang="en-US"/>
           </a:p>
@@ -456,7 +461,7 @@
           <a:p>
             <a:fld id="{78370249-880B-4606-9273-31FEAB67EC0B}" type="datetimeFigureOut">
               <a:rPr lang="ko-KR" altLang="en-US" smtClean="0"/>
-              <a:t>2019-05-09</a:t>
+              <a:t>2019-05-10</a:t>
             </a:fld>
             <a:endParaRPr lang="ko-KR" altLang="en-US"/>
           </a:p>
@@ -664,7 +669,7 @@
           <a:p>
             <a:fld id="{78370249-880B-4606-9273-31FEAB67EC0B}" type="datetimeFigureOut">
               <a:rPr lang="ko-KR" altLang="en-US" smtClean="0"/>
-              <a:t>2019-05-09</a:t>
+              <a:t>2019-05-10</a:t>
             </a:fld>
             <a:endParaRPr lang="ko-KR" altLang="en-US"/>
           </a:p>
@@ -862,7 +867,7 @@
           <a:p>
             <a:fld id="{78370249-880B-4606-9273-31FEAB67EC0B}" type="datetimeFigureOut">
               <a:rPr lang="ko-KR" altLang="en-US" smtClean="0"/>
-              <a:t>2019-05-09</a:t>
+              <a:t>2019-05-10</a:t>
             </a:fld>
             <a:endParaRPr lang="ko-KR" altLang="en-US"/>
           </a:p>
@@ -1137,7 +1142,7 @@
           <a:p>
             <a:fld id="{78370249-880B-4606-9273-31FEAB67EC0B}" type="datetimeFigureOut">
               <a:rPr lang="ko-KR" altLang="en-US" smtClean="0"/>
-              <a:t>2019-05-09</a:t>
+              <a:t>2019-05-10</a:t>
             </a:fld>
             <a:endParaRPr lang="ko-KR" altLang="en-US"/>
           </a:p>
@@ -1402,7 +1407,7 @@
           <a:p>
             <a:fld id="{78370249-880B-4606-9273-31FEAB67EC0B}" type="datetimeFigureOut">
               <a:rPr lang="ko-KR" altLang="en-US" smtClean="0"/>
-              <a:t>2019-05-09</a:t>
+              <a:t>2019-05-10</a:t>
             </a:fld>
             <a:endParaRPr lang="ko-KR" altLang="en-US"/>
           </a:p>
@@ -1814,7 +1819,7 @@
           <a:p>
             <a:fld id="{78370249-880B-4606-9273-31FEAB67EC0B}" type="datetimeFigureOut">
               <a:rPr lang="ko-KR" altLang="en-US" smtClean="0"/>
-              <a:t>2019-05-09</a:t>
+              <a:t>2019-05-10</a:t>
             </a:fld>
             <a:endParaRPr lang="ko-KR" altLang="en-US"/>
           </a:p>
@@ -1955,7 +1960,7 @@
           <a:p>
             <a:fld id="{78370249-880B-4606-9273-31FEAB67EC0B}" type="datetimeFigureOut">
               <a:rPr lang="ko-KR" altLang="en-US" smtClean="0"/>
-              <a:t>2019-05-09</a:t>
+              <a:t>2019-05-10</a:t>
             </a:fld>
             <a:endParaRPr lang="ko-KR" altLang="en-US"/>
           </a:p>
@@ -2068,7 +2073,7 @@
           <a:p>
             <a:fld id="{78370249-880B-4606-9273-31FEAB67EC0B}" type="datetimeFigureOut">
               <a:rPr lang="ko-KR" altLang="en-US" smtClean="0"/>
-              <a:t>2019-05-09</a:t>
+              <a:t>2019-05-10</a:t>
             </a:fld>
             <a:endParaRPr lang="ko-KR" altLang="en-US"/>
           </a:p>
@@ -2379,7 +2384,7 @@
           <a:p>
             <a:fld id="{78370249-880B-4606-9273-31FEAB67EC0B}" type="datetimeFigureOut">
               <a:rPr lang="ko-KR" altLang="en-US" smtClean="0"/>
-              <a:t>2019-05-09</a:t>
+              <a:t>2019-05-10</a:t>
             </a:fld>
             <a:endParaRPr lang="ko-KR" altLang="en-US"/>
           </a:p>
@@ -2667,7 +2672,7 @@
           <a:p>
             <a:fld id="{78370249-880B-4606-9273-31FEAB67EC0B}" type="datetimeFigureOut">
               <a:rPr lang="ko-KR" altLang="en-US" smtClean="0"/>
-              <a:t>2019-05-09</a:t>
+              <a:t>2019-05-10</a:t>
             </a:fld>
             <a:endParaRPr lang="ko-KR" altLang="en-US"/>
           </a:p>
@@ -2794,7 +2799,7 @@
           <a:lstStyle/>
           <a:p>
             <a:r>
-              <a:rPr lang="ko-KR" altLang="en-US"/>
+              <a:rPr lang="ko-KR" altLang="en-US" dirty="0"/>
               <a:t>마스터 제목 스타일 편집</a:t>
             </a:r>
           </a:p>
@@ -2833,35 +2838,35 @@
           <a:p>
             <a:pPr lvl="0"/>
             <a:r>
-              <a:rPr lang="ko-KR" altLang="en-US"/>
+              <a:rPr lang="ko-KR" altLang="en-US" dirty="0"/>
               <a:t>마스터 텍스트 스타일을 편집하려면 클릭</a:t>
             </a:r>
           </a:p>
           <a:p>
             <a:pPr lvl="1"/>
             <a:r>
-              <a:rPr lang="ko-KR" altLang="en-US"/>
+              <a:rPr lang="ko-KR" altLang="en-US" dirty="0"/>
               <a:t>두 번째 수준</a:t>
             </a:r>
           </a:p>
           <a:p>
             <a:pPr lvl="2"/>
             <a:r>
-              <a:rPr lang="ko-KR" altLang="en-US"/>
+              <a:rPr lang="ko-KR" altLang="en-US" dirty="0"/>
               <a:t>세 번째 수준</a:t>
             </a:r>
           </a:p>
           <a:p>
             <a:pPr lvl="3"/>
             <a:r>
-              <a:rPr lang="ko-KR" altLang="en-US"/>
+              <a:rPr lang="ko-KR" altLang="en-US" dirty="0"/>
               <a:t>네 번째 수준</a:t>
             </a:r>
           </a:p>
           <a:p>
             <a:pPr lvl="4"/>
             <a:r>
-              <a:rPr lang="ko-KR" altLang="en-US"/>
+              <a:rPr lang="ko-KR" altLang="en-US" dirty="0"/>
               <a:t>다섯 번째 수준</a:t>
             </a:r>
           </a:p>
@@ -2902,15 +2907,18 @@
                     <a:tint val="75000"/>
                   </a:schemeClr>
                 </a:solidFill>
+                <a:latin typeface="210 앱굴림 R" panose="02020603020101020101" pitchFamily="18" charset="-127"/>
+                <a:ea typeface="210 앱굴림 R" panose="02020603020101020101" pitchFamily="18" charset="-127"/>
               </a:defRPr>
             </a:lvl1pPr>
           </a:lstStyle>
           <a:p>
             <a:fld id="{78370249-880B-4606-9273-31FEAB67EC0B}" type="datetimeFigureOut">
               <a:rPr lang="ko-KR" altLang="en-US" smtClean="0"/>
-              <a:t>2019-05-09</a:t>
+              <a:pPr/>
+              <a:t>2019-05-10</a:t>
             </a:fld>
-            <a:endParaRPr lang="ko-KR" altLang="en-US"/>
+            <a:endParaRPr lang="ko-KR" altLang="en-US" dirty="0"/>
           </a:p>
         </p:txBody>
       </p:sp>
@@ -2949,11 +2957,13 @@
                     <a:tint val="75000"/>
                   </a:schemeClr>
                 </a:solidFill>
+                <a:latin typeface="210 앱굴림 R" panose="02020603020101020101" pitchFamily="18" charset="-127"/>
+                <a:ea typeface="210 앱굴림 R" panose="02020603020101020101" pitchFamily="18" charset="-127"/>
               </a:defRPr>
             </a:lvl1pPr>
           </a:lstStyle>
           <a:p>
-            <a:endParaRPr lang="ko-KR" altLang="en-US"/>
+            <a:endParaRPr lang="ko-KR" altLang="en-US" dirty="0"/>
           </a:p>
         </p:txBody>
       </p:sp>
@@ -2992,15 +3002,18 @@
                     <a:tint val="75000"/>
                   </a:schemeClr>
                 </a:solidFill>
+                <a:latin typeface="210 앱굴림 R" panose="02020603020101020101" pitchFamily="18" charset="-127"/>
+                <a:ea typeface="210 앱굴림 R" panose="02020603020101020101" pitchFamily="18" charset="-127"/>
               </a:defRPr>
             </a:lvl1pPr>
           </a:lstStyle>
           <a:p>
             <a:fld id="{FB1BFF64-D8AD-4DB6-8FAE-1F34DF047CD9}" type="slidenum">
               <a:rPr lang="ko-KR" altLang="en-US" smtClean="0"/>
+              <a:pPr/>
               <a:t>‹#›</a:t>
             </a:fld>
-            <a:endParaRPr lang="ko-KR" altLang="en-US"/>
+            <a:endParaRPr lang="ko-KR" altLang="en-US" dirty="0"/>
           </a:p>
         </p:txBody>
       </p:sp>
@@ -3039,8 +3052,8 @@
           <a:solidFill>
             <a:schemeClr val="tx1"/>
           </a:solidFill>
-          <a:latin typeface="+mj-lt"/>
-          <a:ea typeface="+mj-ea"/>
+          <a:latin typeface="210 앱굴림 R" panose="02020603020101020101" pitchFamily="18" charset="-127"/>
+          <a:ea typeface="210 앱굴림 R" panose="02020603020101020101" pitchFamily="18" charset="-127"/>
           <a:cs typeface="+mj-cs"/>
         </a:defRPr>
       </a:lvl1pPr>
@@ -3059,8 +3072,8 @@
           <a:solidFill>
             <a:schemeClr val="tx1"/>
           </a:solidFill>
-          <a:latin typeface="+mn-lt"/>
-          <a:ea typeface="+mn-ea"/>
+          <a:latin typeface="210 앱굴림 R" panose="02020603020101020101" pitchFamily="18" charset="-127"/>
+          <a:ea typeface="210 앱굴림 R" panose="02020603020101020101" pitchFamily="18" charset="-127"/>
           <a:cs typeface="+mn-cs"/>
         </a:defRPr>
       </a:lvl1pPr>
@@ -3077,8 +3090,8 @@
           <a:solidFill>
             <a:schemeClr val="tx1"/>
           </a:solidFill>
-          <a:latin typeface="+mn-lt"/>
-          <a:ea typeface="+mn-ea"/>
+          <a:latin typeface="210 앱굴림 R" panose="02020603020101020101" pitchFamily="18" charset="-127"/>
+          <a:ea typeface="210 앱굴림 R" panose="02020603020101020101" pitchFamily="18" charset="-127"/>
           <a:cs typeface="+mn-cs"/>
         </a:defRPr>
       </a:lvl2pPr>
@@ -3095,8 +3108,8 @@
           <a:solidFill>
             <a:schemeClr val="tx1"/>
           </a:solidFill>
-          <a:latin typeface="+mn-lt"/>
-          <a:ea typeface="+mn-ea"/>
+          <a:latin typeface="210 앱굴림 R" panose="02020603020101020101" pitchFamily="18" charset="-127"/>
+          <a:ea typeface="210 앱굴림 R" panose="02020603020101020101" pitchFamily="18" charset="-127"/>
           <a:cs typeface="+mn-cs"/>
         </a:defRPr>
       </a:lvl3pPr>
@@ -3113,8 +3126,8 @@
           <a:solidFill>
             <a:schemeClr val="tx1"/>
           </a:solidFill>
-          <a:latin typeface="+mn-lt"/>
-          <a:ea typeface="+mn-ea"/>
+          <a:latin typeface="210 앱굴림 R" panose="02020603020101020101" pitchFamily="18" charset="-127"/>
+          <a:ea typeface="210 앱굴림 R" panose="02020603020101020101" pitchFamily="18" charset="-127"/>
           <a:cs typeface="+mn-cs"/>
         </a:defRPr>
       </a:lvl4pPr>
@@ -3131,8 +3144,8 @@
           <a:solidFill>
             <a:schemeClr val="tx1"/>
           </a:solidFill>
-          <a:latin typeface="+mn-lt"/>
-          <a:ea typeface="+mn-ea"/>
+          <a:latin typeface="210 앱굴림 R" panose="02020603020101020101" pitchFamily="18" charset="-127"/>
+          <a:ea typeface="210 앱굴림 R" panose="02020603020101020101" pitchFamily="18" charset="-127"/>
           <a:cs typeface="+mn-cs"/>
         </a:defRPr>
       </a:lvl5pPr>
@@ -3341,60 +3354,86 @@
             <p:ph type="ctrTitle"/>
           </p:nvPr>
         </p:nvSpPr>
-        <p:spPr/>
-        <p:txBody>
-          <a:bodyPr/>
-          <a:lstStyle/>
-          <a:p>
-            <a:r>
-              <a:rPr lang="ko-KR" altLang="en-US" dirty="0"/>
-              <a:t>모바일 앱 개발 </a:t>
-            </a:r>
-            <a:r>
-              <a:rPr lang="en-US" altLang="ko-KR" dirty="0"/>
-              <a:t>24</a:t>
-            </a:r>
-            <a:r>
-              <a:rPr lang="ko-KR" altLang="en-US" dirty="0"/>
-              <a:t>조</a:t>
-            </a:r>
-            <a:br>
-              <a:rPr lang="en-US" altLang="ko-KR" dirty="0"/>
-            </a:br>
-            <a:r>
-              <a:rPr lang="ko-KR" altLang="en-US" sz="4400" dirty="0" err="1"/>
-              <a:t>고주형</a:t>
-            </a:r>
-            <a:r>
-              <a:rPr lang="en-US" altLang="ko-KR" sz="4400" dirty="0"/>
-              <a:t>, </a:t>
-            </a:r>
-            <a:r>
-              <a:rPr lang="ko-KR" altLang="en-US" sz="4400" dirty="0"/>
-              <a:t>정태식</a:t>
-            </a:r>
-          </a:p>
-        </p:txBody>
-      </p:sp>
-      <p:sp>
-        <p:nvSpPr>
-          <p:cNvPr id="3" name="부제목 2">
-            <a:extLst>
-              <a:ext uri="{FF2B5EF4-FFF2-40B4-BE49-F238E27FC236}">
-                <a16:creationId xmlns:a16="http://schemas.microsoft.com/office/drawing/2014/main" id="{F798951A-4732-42FF-A909-CF31A9B5B3D3}"/>
-              </a:ext>
-            </a:extLst>
-          </p:cNvPr>
-          <p:cNvSpPr>
-            <a:spLocks noGrp="1"/>
-          </p:cNvSpPr>
-          <p:nvPr>
-            <p:ph type="subTitle" idx="1"/>
-          </p:nvPr>
-        </p:nvSpPr>
         <p:spPr>
           <a:xfrm>
-            <a:off x="1524000" y="4287838"/>
+            <a:off x="1524000" y="1191374"/>
+            <a:ext cx="9144000" cy="2387600"/>
+          </a:xfrm>
+        </p:spPr>
+        <p:txBody>
+          <a:bodyPr/>
+          <a:lstStyle/>
+          <a:p>
+            <a:r>
+              <a:rPr lang="ko-KR" altLang="en-US" dirty="0">
+                <a:latin typeface="210 앱굴림 B" panose="02020603020101020101" pitchFamily="18" charset="-127"/>
+                <a:ea typeface="210 앱굴림 B" panose="02020603020101020101" pitchFamily="18" charset="-127"/>
+              </a:rPr>
+              <a:t>모바일 앱 개발 </a:t>
+            </a:r>
+            <a:r>
+              <a:rPr lang="en-US" altLang="ko-KR" dirty="0">
+                <a:latin typeface="210 앱굴림 B" panose="02020603020101020101" pitchFamily="18" charset="-127"/>
+                <a:ea typeface="210 앱굴림 B" panose="02020603020101020101" pitchFamily="18" charset="-127"/>
+              </a:rPr>
+              <a:t>24</a:t>
+            </a:r>
+            <a:r>
+              <a:rPr lang="ko-KR" altLang="en-US" dirty="0">
+                <a:latin typeface="210 앱굴림 B" panose="02020603020101020101" pitchFamily="18" charset="-127"/>
+                <a:ea typeface="210 앱굴림 B" panose="02020603020101020101" pitchFamily="18" charset="-127"/>
+              </a:rPr>
+              <a:t>조</a:t>
+            </a:r>
+            <a:br>
+              <a:rPr lang="en-US" altLang="ko-KR" dirty="0">
+                <a:latin typeface="210 앱굴림 B" panose="02020603020101020101" pitchFamily="18" charset="-127"/>
+                <a:ea typeface="210 앱굴림 B" panose="02020603020101020101" pitchFamily="18" charset="-127"/>
+              </a:rPr>
+            </a:br>
+            <a:r>
+              <a:rPr lang="ko-KR" altLang="en-US" sz="4400" dirty="0" err="1">
+                <a:latin typeface="210 앱굴림 B" panose="02020603020101020101" pitchFamily="18" charset="-127"/>
+                <a:ea typeface="210 앱굴림 B" panose="02020603020101020101" pitchFamily="18" charset="-127"/>
+              </a:rPr>
+              <a:t>고주형</a:t>
+            </a:r>
+            <a:r>
+              <a:rPr lang="en-US" altLang="ko-KR" sz="4400" dirty="0">
+                <a:latin typeface="210 앱굴림 B" panose="02020603020101020101" pitchFamily="18" charset="-127"/>
+                <a:ea typeface="210 앱굴림 B" panose="02020603020101020101" pitchFamily="18" charset="-127"/>
+              </a:rPr>
+              <a:t>, </a:t>
+            </a:r>
+            <a:r>
+              <a:rPr lang="ko-KR" altLang="en-US" sz="4400" dirty="0">
+                <a:latin typeface="210 앱굴림 B" panose="02020603020101020101" pitchFamily="18" charset="-127"/>
+                <a:ea typeface="210 앱굴림 B" panose="02020603020101020101" pitchFamily="18" charset="-127"/>
+              </a:rPr>
+              <a:t>정태식</a:t>
+            </a:r>
+          </a:p>
+        </p:txBody>
+      </p:sp>
+      <p:sp>
+        <p:nvSpPr>
+          <p:cNvPr id="3" name="부제목 2">
+            <a:extLst>
+              <a:ext uri="{FF2B5EF4-FFF2-40B4-BE49-F238E27FC236}">
+                <a16:creationId xmlns:a16="http://schemas.microsoft.com/office/drawing/2014/main" id="{F798951A-4732-42FF-A909-CF31A9B5B3D3}"/>
+              </a:ext>
+            </a:extLst>
+          </p:cNvPr>
+          <p:cNvSpPr>
+            <a:spLocks noGrp="1"/>
+          </p:cNvSpPr>
+          <p:nvPr>
+            <p:ph type="subTitle" idx="1"/>
+          </p:nvPr>
+        </p:nvSpPr>
+        <p:spPr>
+          <a:xfrm>
+            <a:off x="1524000" y="4270585"/>
             <a:ext cx="9144000" cy="1655762"/>
           </a:xfrm>
         </p:spPr>
@@ -3406,23 +3445,7 @@
           <a:p>
             <a:r>
               <a:rPr lang="en-US" altLang="ko-KR" sz="5400" dirty="0"/>
-              <a:t>Let’s</a:t>
-            </a:r>
-            <a:r>
-              <a:rPr lang="ko-KR" altLang="en-US" sz="5400" dirty="0"/>
-              <a:t> </a:t>
-            </a:r>
-            <a:r>
-              <a:rPr lang="en-US" altLang="ko-KR" sz="5400" dirty="0"/>
-              <a:t>go</a:t>
-            </a:r>
-            <a:r>
-              <a:rPr lang="ko-KR" altLang="en-US" sz="5400" dirty="0"/>
-              <a:t> </a:t>
-            </a:r>
-            <a:r>
-              <a:rPr lang="en-US" altLang="ko-KR" sz="5400" dirty="0"/>
-              <a:t>physicist</a:t>
+              <a:t>Lets go physicist</a:t>
             </a:r>
             <a:endParaRPr lang="ko-KR" altLang="en-US" sz="5400" dirty="0"/>
           </a:p>
@@ -3460,6 +3483,60 @@
       </p:grpSpPr>
       <p:sp>
         <p:nvSpPr>
+          <p:cNvPr id="3" name="십자형 2">
+            <a:extLst>
+              <a:ext uri="{FF2B5EF4-FFF2-40B4-BE49-F238E27FC236}">
+                <a16:creationId xmlns:a16="http://schemas.microsoft.com/office/drawing/2014/main" id="{174F8FFD-4541-41EF-B9FD-FBFE2AA43C9C}"/>
+              </a:ext>
+            </a:extLst>
+          </p:cNvPr>
+          <p:cNvSpPr/>
+          <p:nvPr/>
+        </p:nvSpPr>
+        <p:spPr>
+          <a:xfrm>
+            <a:off x="6276080" y="3429000"/>
+            <a:ext cx="564667" cy="556252"/>
+          </a:xfrm>
+          <a:prstGeom prst="plus">
+            <a:avLst>
+              <a:gd name="adj" fmla="val 40946"/>
+            </a:avLst>
+          </a:prstGeom>
+          <a:solidFill>
+            <a:schemeClr val="accent2">
+              <a:lumMod val="60000"/>
+              <a:lumOff val="40000"/>
+            </a:schemeClr>
+          </a:solidFill>
+        </p:spPr>
+        <p:style>
+          <a:lnRef idx="2">
+            <a:schemeClr val="accent1">
+              <a:shade val="50000"/>
+            </a:schemeClr>
+          </a:lnRef>
+          <a:fillRef idx="1">
+            <a:schemeClr val="accent1"/>
+          </a:fillRef>
+          <a:effectRef idx="0">
+            <a:schemeClr val="accent1"/>
+          </a:effectRef>
+          <a:fontRef idx="minor">
+            <a:schemeClr val="lt1"/>
+          </a:fontRef>
+        </p:style>
+        <p:txBody>
+          <a:bodyPr rtlCol="0" anchor="ctr"/>
+          <a:lstStyle/>
+          <a:p>
+            <a:pPr algn="ctr"/>
+            <a:endParaRPr lang="ko-KR" altLang="en-US"/>
+          </a:p>
+        </p:txBody>
+      </p:sp>
+      <p:sp>
+        <p:nvSpPr>
           <p:cNvPr id="2" name="제목 1">
             <a:extLst>
               <a:ext uri="{FF2B5EF4-FFF2-40B4-BE49-F238E27FC236}">
@@ -3553,36 +3630,6 @@
           </a:prstGeom>
         </p:spPr>
       </p:pic>
-      <p:pic>
-        <p:nvPicPr>
-          <p:cNvPr id="6" name="그림 5">
-            <a:extLst>
-              <a:ext uri="{FF2B5EF4-FFF2-40B4-BE49-F238E27FC236}">
-                <a16:creationId xmlns:a16="http://schemas.microsoft.com/office/drawing/2014/main" id="{BB3AA6D6-E226-4A33-8DCB-0AAC0292567C}"/>
-              </a:ext>
-            </a:extLst>
-          </p:cNvPr>
-          <p:cNvPicPr>
-            <a:picLocks noChangeAspect="1"/>
-          </p:cNvPicPr>
-          <p:nvPr/>
-        </p:nvPicPr>
-        <p:blipFill>
-          <a:blip r:embed="rId4"/>
-          <a:stretch>
-            <a:fillRect/>
-          </a:stretch>
-        </p:blipFill>
-        <p:spPr>
-          <a:xfrm>
-            <a:off x="6096000" y="3445836"/>
-            <a:ext cx="880407" cy="1078832"/>
-          </a:xfrm>
-          <a:prstGeom prst="rect">
-            <a:avLst/>
-          </a:prstGeom>
-        </p:spPr>
-      </p:pic>
       <p:sp>
         <p:nvSpPr>
           <p:cNvPr id="7" name="TextBox 6">
@@ -3613,7 +3660,10 @@
           <a:p>
             <a:pPr algn="ctr"/>
             <a:r>
-              <a:rPr lang="ko-KR" altLang="en-US" sz="4000" dirty="0"/>
+              <a:rPr lang="ko-KR" altLang="en-US" sz="4000" dirty="0">
+                <a:latin typeface="210 앱굴림 R" panose="02020603020101020101" pitchFamily="18" charset="-127"/>
+                <a:ea typeface="210 앱굴림 R" panose="02020603020101020101" pitchFamily="18" charset="-127"/>
+              </a:rPr>
               <a:t>퍼즐 게임</a:t>
             </a:r>
           </a:p>
@@ -3649,7 +3699,10 @@
           <a:p>
             <a:pPr algn="ctr"/>
             <a:r>
-              <a:rPr lang="ko-KR" altLang="en-US" sz="3200" dirty="0"/>
+              <a:rPr lang="ko-KR" altLang="en-US" sz="3200" dirty="0">
+                <a:latin typeface="210 앱굴림 R" panose="02020603020101020101" pitchFamily="18" charset="-127"/>
+                <a:ea typeface="210 앱굴림 R" panose="02020603020101020101" pitchFamily="18" charset="-127"/>
+              </a:rPr>
               <a:t>교육용 시뮬레이션</a:t>
             </a:r>
           </a:p>
@@ -3669,8 +3722,8 @@
         </p:nvSpPr>
         <p:spPr>
           <a:xfrm>
-            <a:off x="2310063" y="365125"/>
-            <a:ext cx="7940842" cy="6127750"/>
+            <a:off x="387262" y="261609"/>
+            <a:ext cx="11990717" cy="6127750"/>
           </a:xfrm>
           <a:prstGeom prst="irregularSeal2">
             <a:avLst/>
@@ -3708,7 +3761,10 @@
           <a:p>
             <a:pPr algn="ctr"/>
             <a:r>
-              <a:rPr lang="ko-KR" altLang="en-US" sz="4400" dirty="0"/>
+              <a:rPr lang="ko-KR" altLang="en-US" sz="4000" dirty="0">
+                <a:latin typeface="210 앱굴림 R" panose="02020603020101020101" pitchFamily="18" charset="-127"/>
+                <a:ea typeface="210 앱굴림 R" panose="02020603020101020101" pitchFamily="18" charset="-127"/>
+              </a:rPr>
               <a:t>교육용 퍼즐 시뮬레이션 게임</a:t>
             </a:r>
           </a:p>
@@ -4205,60 +4261,103 @@
         </p:nvSpPr>
         <p:spPr/>
         <p:txBody>
-          <a:bodyPr/>
-          <a:lstStyle/>
-          <a:p>
-            <a:r>
-              <a:rPr lang="ko-KR" altLang="en-US" dirty="0"/>
+          <a:bodyPr>
+            <a:normAutofit lnSpcReduction="10000"/>
+          </a:bodyPr>
+          <a:lstStyle/>
+          <a:p>
+            <a:r>
+              <a:rPr lang="ko-KR" altLang="en-US" sz="3200" dirty="0"/>
               <a:t>유니티 </a:t>
             </a:r>
             <a:r>
-              <a:rPr lang="en-US" altLang="ko-KR" dirty="0"/>
+              <a:rPr lang="en-US" altLang="ko-KR" sz="4000" dirty="0">
+                <a:solidFill>
+                  <a:schemeClr val="accent2"/>
+                </a:solidFill>
+              </a:rPr>
               <a:t>3D</a:t>
             </a:r>
             <a:r>
-              <a:rPr lang="ko-KR" altLang="en-US" dirty="0"/>
+              <a:rPr lang="ko-KR" altLang="en-US" sz="3200" dirty="0"/>
               <a:t>를 사용한다</a:t>
             </a:r>
             <a:r>
-              <a:rPr lang="en-US" altLang="ko-KR" dirty="0"/>
+              <a:rPr lang="en-US" altLang="ko-KR" sz="3200" dirty="0"/>
               <a:t>.</a:t>
             </a:r>
           </a:p>
           <a:p>
-            <a:r>
-              <a:rPr lang="ko-KR" altLang="en-US" dirty="0" err="1"/>
-              <a:t>미니맵이</a:t>
-            </a:r>
-            <a:r>
-              <a:rPr lang="ko-KR" altLang="en-US" dirty="0"/>
+            <a:endParaRPr lang="en-US" altLang="ko-KR" sz="3200" dirty="0"/>
+          </a:p>
+          <a:p>
+            <a:r>
+              <a:rPr lang="ko-KR" altLang="en-US" sz="4000" dirty="0" err="1">
+                <a:solidFill>
+                  <a:schemeClr val="accent2"/>
+                </a:solidFill>
+              </a:rPr>
+              <a:t>미니맵</a:t>
+            </a:r>
+            <a:r>
+              <a:rPr lang="ko-KR" altLang="en-US" sz="3200" dirty="0" err="1"/>
+              <a:t>이</a:t>
+            </a:r>
+            <a:r>
+              <a:rPr lang="ko-KR" altLang="en-US" sz="3200" dirty="0"/>
               <a:t> 존재하며 전체적인 흐름을 보여준다</a:t>
             </a:r>
             <a:r>
-              <a:rPr lang="en-US" altLang="ko-KR" dirty="0"/>
+              <a:rPr lang="en-US" altLang="ko-KR" sz="3200" dirty="0"/>
               <a:t>.</a:t>
             </a:r>
           </a:p>
           <a:p>
-            <a:r>
-              <a:rPr lang="ko-KR" altLang="en-US" dirty="0"/>
-              <a:t>고등학교 수준의 물리 지식을 활용한다</a:t>
-            </a:r>
-            <a:r>
-              <a:rPr lang="en-US" altLang="ko-KR" dirty="0"/>
+            <a:endParaRPr lang="en-US" altLang="ko-KR" sz="3200" dirty="0"/>
+          </a:p>
+          <a:p>
+            <a:r>
+              <a:rPr lang="ko-KR" altLang="en-US" sz="4000" dirty="0">
+                <a:solidFill>
+                  <a:schemeClr val="accent2"/>
+                </a:solidFill>
+              </a:rPr>
+              <a:t>고등학교</a:t>
+            </a:r>
+            <a:r>
+              <a:rPr lang="ko-KR" altLang="en-US" sz="3200" dirty="0"/>
+              <a:t> 수준의 물리 지식을 활용한다</a:t>
+            </a:r>
+            <a:r>
+              <a:rPr lang="en-US" altLang="ko-KR" sz="3200" dirty="0"/>
               <a:t>.</a:t>
             </a:r>
           </a:p>
           <a:p>
-            <a:r>
-              <a:rPr lang="ko-KR" altLang="en-US" dirty="0"/>
-              <a:t>게임을 플레이 하며 여러가지 물리 원리를 이해해보자</a:t>
-            </a:r>
-            <a:r>
-              <a:rPr lang="en-US" altLang="ko-KR" dirty="0"/>
+            <a:endParaRPr lang="en-US" altLang="ko-KR" sz="3200" dirty="0"/>
+          </a:p>
+          <a:p>
+            <a:r>
+              <a:rPr lang="ko-KR" altLang="en-US" sz="3200" dirty="0"/>
+              <a:t>게임을 플레이 하며 여러가지 </a:t>
+            </a:r>
+            <a:r>
+              <a:rPr lang="ko-KR" altLang="en-US" sz="4000" dirty="0">
+                <a:solidFill>
+                  <a:schemeClr val="accent2"/>
+                </a:solidFill>
+              </a:rPr>
+              <a:t>물리 원리를 이해</a:t>
+            </a:r>
+            <a:r>
+              <a:rPr lang="ko-KR" altLang="en-US" sz="3200" dirty="0"/>
+              <a:t>해보자</a:t>
+            </a:r>
+            <a:r>
+              <a:rPr lang="en-US" altLang="ko-KR" sz="3200" dirty="0"/>
               <a:t>!</a:t>
             </a:r>
-            <a:endParaRPr lang="ko-KR" altLang="en-US" dirty="0"/>
+            <a:endParaRPr lang="ko-KR" altLang="en-US" sz="3200" dirty="0"/>
           </a:p>
         </p:txBody>
       </p:sp>
@@ -4314,41 +4413,64 @@
           <a:lstStyle/>
           <a:p>
             <a:r>
+              <a:rPr lang="ko-KR" altLang="en-US" dirty="0">
+                <a:latin typeface="210 앱굴림 B" panose="02020603020101020101" pitchFamily="18" charset="-127"/>
+                <a:ea typeface="210 앱굴림 B" panose="02020603020101020101" pitchFamily="18" charset="-127"/>
+              </a:rPr>
+              <a:t>어떤 경쟁력이 있을까</a:t>
+            </a:r>
+            <a:r>
+              <a:rPr lang="en-US" altLang="ko-KR" dirty="0">
+                <a:latin typeface="210 앱굴림 B" panose="02020603020101020101" pitchFamily="18" charset="-127"/>
+                <a:ea typeface="210 앱굴림 B" panose="02020603020101020101" pitchFamily="18" charset="-127"/>
+              </a:rPr>
+              <a:t>?</a:t>
+            </a:r>
+            <a:endParaRPr lang="ko-KR" altLang="en-US" dirty="0">
+              <a:latin typeface="210 앱굴림 B" panose="02020603020101020101" pitchFamily="18" charset="-127"/>
+              <a:ea typeface="210 앱굴림 B" panose="02020603020101020101" pitchFamily="18" charset="-127"/>
+            </a:endParaRPr>
+          </a:p>
+        </p:txBody>
+      </p:sp>
+      <p:sp>
+        <p:nvSpPr>
+          <p:cNvPr id="3" name="내용 개체 틀 2">
+            <a:extLst>
+              <a:ext uri="{FF2B5EF4-FFF2-40B4-BE49-F238E27FC236}">
+                <a16:creationId xmlns:a16="http://schemas.microsoft.com/office/drawing/2014/main" id="{502458A4-AB78-4838-B4FE-300AD917CB9A}"/>
+              </a:ext>
+            </a:extLst>
+          </p:cNvPr>
+          <p:cNvSpPr>
+            <a:spLocks noGrp="1"/>
+          </p:cNvSpPr>
+          <p:nvPr>
+            <p:ph idx="1"/>
+          </p:nvPr>
+        </p:nvSpPr>
+        <p:spPr/>
+        <p:txBody>
+          <a:bodyPr>
+            <a:normAutofit fontScale="92500" lnSpcReduction="20000"/>
+          </a:bodyPr>
+          <a:lstStyle/>
+          <a:p>
+            <a:r>
               <a:rPr lang="ko-KR" altLang="en-US" dirty="0"/>
-              <a:t>어떤 경쟁력이 있을까</a:t>
-            </a:r>
-            <a:r>
-              <a:rPr lang="en-US" altLang="ko-KR" dirty="0"/>
-              <a:t>?</a:t>
-            </a:r>
-            <a:endParaRPr lang="ko-KR" altLang="en-US" dirty="0"/>
-          </a:p>
-        </p:txBody>
-      </p:sp>
-      <p:sp>
-        <p:nvSpPr>
-          <p:cNvPr id="3" name="내용 개체 틀 2">
-            <a:extLst>
-              <a:ext uri="{FF2B5EF4-FFF2-40B4-BE49-F238E27FC236}">
-                <a16:creationId xmlns:a16="http://schemas.microsoft.com/office/drawing/2014/main" id="{502458A4-AB78-4838-B4FE-300AD917CB9A}"/>
-              </a:ext>
-            </a:extLst>
-          </p:cNvPr>
-          <p:cNvSpPr>
-            <a:spLocks noGrp="1"/>
-          </p:cNvSpPr>
-          <p:nvPr>
-            <p:ph idx="1"/>
-          </p:nvPr>
-        </p:nvSpPr>
-        <p:spPr/>
-        <p:txBody>
-          <a:bodyPr/>
-          <a:lstStyle/>
-          <a:p>
+              <a:t>글만으로는 이해하기 힘든 물리 원리를 </a:t>
+            </a:r>
+            <a:r>
+              <a:rPr lang="ko-KR" altLang="en-US" sz="3500" dirty="0">
+                <a:solidFill>
+                  <a:schemeClr val="accent2"/>
+                </a:solidFill>
+              </a:rPr>
+              <a:t>직접 작동하는 모습</a:t>
+            </a:r>
             <a:r>
               <a:rPr lang="ko-KR" altLang="en-US" dirty="0"/>
-              <a:t>글만으로는 이해하기 힘든 물리 원리를 직접 작동하는 모습을 보며 쉽게 이해할 수 있다</a:t>
+              <a:t>을 보며 쉽게 이해할 수 있다</a:t>
             </a:r>
             <a:r>
               <a:rPr lang="en-US" altLang="ko-KR" dirty="0"/>
@@ -4356,9 +4478,20 @@
             </a:r>
           </a:p>
           <a:p>
+            <a:endParaRPr lang="en-US" altLang="ko-KR" dirty="0"/>
+          </a:p>
+          <a:p>
+            <a:r>
+              <a:rPr lang="ko-KR" altLang="en-US" sz="3500" dirty="0">
+                <a:solidFill>
+                  <a:schemeClr val="accent2"/>
+                </a:solidFill>
+              </a:rPr>
+              <a:t>수능 기출</a:t>
+            </a:r>
             <a:r>
               <a:rPr lang="ko-KR" altLang="en-US" dirty="0"/>
-              <a:t>수능 기출을 기반으로 레벨이 디자인되기 때문에 실용적인 학습이 가능하다</a:t>
+              <a:t>을 기반으로 레벨이 디자인되기 때문에 실용적인 학습이 가능하다</a:t>
             </a:r>
             <a:r>
               <a:rPr lang="en-US" altLang="ko-KR" dirty="0"/>
@@ -4366,9 +4499,36 @@
             </a:r>
           </a:p>
           <a:p>
+            <a:endParaRPr lang="en-US" altLang="ko-KR" dirty="0"/>
+          </a:p>
+          <a:p>
             <a:r>
               <a:rPr lang="ko-KR" altLang="en-US" dirty="0"/>
-              <a:t>일반적인 시뮬레이션 게임처럼 보면서 느끼는 재미가 있고 퍼즐 게임처럼 퍼즐을 풀어서 얻는 성취감도 있다</a:t>
+              <a:t>일반적인 시뮬레이션 게임처럼 </a:t>
+            </a:r>
+            <a:r>
+              <a:rPr lang="ko-KR" altLang="en-US" sz="3500" dirty="0">
+                <a:solidFill>
+                  <a:schemeClr val="accent2"/>
+                </a:solidFill>
+              </a:rPr>
+              <a:t>보면서 느끼는 재미</a:t>
+            </a:r>
+            <a:r>
+              <a:rPr lang="ko-KR" altLang="en-US" dirty="0"/>
+              <a:t>가 있고 퍼즐 게임처럼 </a:t>
+            </a:r>
+            <a:r>
+              <a:rPr lang="ko-KR" altLang="en-US" sz="3500" dirty="0">
+                <a:solidFill>
+                  <a:schemeClr val="accent2"/>
+                </a:solidFill>
+              </a:rPr>
+              <a:t>퍼즐</a:t>
+            </a:r>
+            <a:r>
+              <a:rPr lang="ko-KR" altLang="en-US" dirty="0"/>
+              <a:t>을 풀어서 얻는 성취감도 있다</a:t>
             </a:r>
             <a:r>
               <a:rPr lang="en-US" altLang="ko-KR" dirty="0"/>
@@ -4376,9 +4536,24 @@
             </a:r>
           </a:p>
           <a:p>
+            <a:endParaRPr lang="en-US" altLang="ko-KR" dirty="0"/>
+          </a:p>
+          <a:p>
             <a:r>
               <a:rPr lang="ko-KR" altLang="en-US" dirty="0"/>
-              <a:t>게임을 즐기며 학습적인 효과도 얻을 수 있다</a:t>
+              <a:t>게임을 즐기며 </a:t>
+            </a:r>
+            <a:r>
+              <a:rPr lang="ko-KR" altLang="en-US" sz="3500" dirty="0">
+                <a:solidFill>
+                  <a:schemeClr val="accent2"/>
+                </a:solidFill>
+              </a:rPr>
+              <a:t>학습적인 효과</a:t>
+            </a:r>
+            <a:r>
+              <a:rPr lang="ko-KR" altLang="en-US" dirty="0"/>
+              <a:t>도 얻을 수 있다</a:t>
             </a:r>
             <a:r>
               <a:rPr lang="en-US" altLang="ko-KR" dirty="0"/>
@@ -4440,33 +4615,29 @@
           </a:xfrm>
         </p:spPr>
         <p:txBody>
-          <a:bodyPr/>
-          <a:lstStyle/>
-          <a:p>
-            <a:r>
-              <a:rPr lang="en-US" altLang="ko-KR" dirty="0"/>
-              <a:t>			    	</a:t>
-            </a:r>
-            <a:r>
-              <a:rPr lang="ko-KR" altLang="en-US" dirty="0">
-                <a:solidFill>
-                  <a:schemeClr val="accent1"/>
-                </a:solidFill>
+          <a:bodyPr>
+            <a:normAutofit/>
+          </a:bodyPr>
+          <a:lstStyle/>
+          <a:p>
+            <a:pPr algn="ctr"/>
+            <a:r>
+              <a:rPr lang="ko-KR" altLang="en-US" sz="7200" dirty="0">
+                <a:latin typeface="210 앱굴림 B" panose="02020603020101020101" pitchFamily="18" charset="-127"/>
+                <a:ea typeface="210 앱굴림 B" panose="02020603020101020101" pitchFamily="18" charset="-127"/>
               </a:rPr>
               <a:t>감사합니다</a:t>
             </a:r>
             <a:r>
-              <a:rPr lang="en-US" altLang="ko-KR" dirty="0">
-                <a:solidFill>
-                  <a:schemeClr val="accent1"/>
-                </a:solidFill>
+              <a:rPr lang="en-US" altLang="ko-KR" sz="7200" dirty="0">
+                <a:latin typeface="210 앱굴림 B" panose="02020603020101020101" pitchFamily="18" charset="-127"/>
+                <a:ea typeface="210 앱굴림 B" panose="02020603020101020101" pitchFamily="18" charset="-127"/>
               </a:rPr>
               <a:t>!</a:t>
             </a:r>
-            <a:endParaRPr lang="ko-KR" altLang="en-US" dirty="0">
-              <a:solidFill>
-                <a:schemeClr val="accent1"/>
-              </a:solidFill>
+            <a:endParaRPr lang="ko-KR" altLang="en-US" sz="7200" dirty="0">
+              <a:latin typeface="210 앱굴림 B" panose="02020603020101020101" pitchFamily="18" charset="-127"/>
+              <a:ea typeface="210 앱굴림 B" panose="02020603020101020101" pitchFamily="18" charset="-127"/>
             </a:endParaRPr>
           </a:p>
         </p:txBody>
